--- a/Regression Models to Predict Progression of Parkinson’s.pptx
+++ b/Regression Models to Predict Progression of Parkinson’s.pptx
@@ -4786,7 +4786,7 @@
             </a:pPr>
             <a:r>
               <a:rPr lang="en-US" dirty="0"/>
-              <a:t> High Prevalence</a:t>
+              <a:t> Vocal impairment is earliest symptom of disease, and manifests</a:t>
             </a:r>
           </a:p>
           <a:p>
@@ -4796,7 +4796,7 @@
             </a:pPr>
             <a:r>
               <a:rPr lang="en-US" dirty="0"/>
-              <a:t> Vocal impairment is earliest symptom of disease</a:t>
+              <a:t> Voice tremors, reduced loudness can be measured </a:t>
             </a:r>
           </a:p>
           <a:p>
@@ -4806,21 +4806,8 @@
             </a:pPr>
             <a:r>
               <a:rPr lang="en-US" dirty="0"/>
-              <a:t> Voice tremors, reduced loudness can be measured</a:t>
-            </a:r>
-          </a:p>
-          <a:p>
-            <a:pPr>
-              <a:buFont typeface="Wingdings" panose="05000000000000000000" pitchFamily="2" charset="2"/>
-              <a:buChar char="q"/>
-            </a:pPr>
-            <a:r>
-              <a:rPr lang="en-US" dirty="0"/>
               <a:t> Monitoring voice remotely would reduce clinic visits, and associated cost and inconvenience</a:t>
             </a:r>
-          </a:p>
-          <a:p>
-            <a:endParaRPr lang="en-US" dirty="0"/>
           </a:p>
           <a:p>
             <a:endParaRPr lang="en-US" dirty="0"/>
@@ -4948,7 +4935,7 @@
         </p:spPr>
         <p:txBody>
           <a:bodyPr>
-            <a:normAutofit lnSpcReduction="10000"/>
+            <a:normAutofit fontScale="92500" lnSpcReduction="20000"/>
           </a:bodyPr>
           <a:lstStyle/>
           <a:p>
@@ -4987,10 +4974,9 @@
               <a:buChar char="q"/>
             </a:pPr>
             <a:r>
-              <a:rPr lang="en-US"/>
-              <a:t> Label: UPDRS Score</a:t>
-            </a:r>
-            <a:endParaRPr lang="en-US" dirty="0"/>
+              <a:rPr lang="en-US" dirty="0"/>
+              <a:t> Label: UPDRS Score (0: no disability, 199: complete disability)</a:t>
+            </a:r>
           </a:p>
           <a:p>
             <a:pPr>
@@ -5000,6 +4986,26 @@
             <a:r>
               <a:rPr lang="en-US" dirty="0"/>
               <a:t> 22 Features</a:t>
+            </a:r>
+          </a:p>
+          <a:p>
+            <a:pPr lvl="1">
+              <a:buFont typeface="Wingdings" panose="05000000000000000000" pitchFamily="2" charset="2"/>
+              <a:buChar char="q"/>
+            </a:pPr>
+            <a:r>
+              <a:rPr lang="en-US" dirty="0"/>
+              <a:t> Sex (categorical)</a:t>
+            </a:r>
+          </a:p>
+          <a:p>
+            <a:pPr lvl="1">
+              <a:buFont typeface="Wingdings" panose="05000000000000000000" pitchFamily="2" charset="2"/>
+              <a:buChar char="q"/>
+            </a:pPr>
+            <a:r>
+              <a:rPr lang="en-US" dirty="0"/>
+              <a:t>All other features are numeric</a:t>
             </a:r>
           </a:p>
           <a:p>

--- a/Regression Models to Predict Progression of Parkinson’s.pptx
+++ b/Regression Models to Predict Progression of Parkinson’s.pptx
@@ -352,7 +352,7 @@
           <a:p>
             <a:fld id="{A5E38784-A5DC-4D1E-89BC-C49E540CA36C}" type="datetimeFigureOut">
               <a:rPr lang="en-US" smtClean="0"/>
-              <a:t>12/13/2019</a:t>
+              <a:t>12/17/2019</a:t>
             </a:fld>
             <a:endParaRPr lang="en-US"/>
           </a:p>
@@ -560,7 +560,7 @@
           <a:p>
             <a:fld id="{A5E38784-A5DC-4D1E-89BC-C49E540CA36C}" type="datetimeFigureOut">
               <a:rPr lang="en-US" smtClean="0"/>
-              <a:t>12/13/2019</a:t>
+              <a:t>12/17/2019</a:t>
             </a:fld>
             <a:endParaRPr lang="en-US"/>
           </a:p>
@@ -816,7 +816,7 @@
           <a:p>
             <a:fld id="{A5E38784-A5DC-4D1E-89BC-C49E540CA36C}" type="datetimeFigureOut">
               <a:rPr lang="en-US" smtClean="0"/>
-              <a:t>12/13/2019</a:t>
+              <a:t>12/17/2019</a:t>
             </a:fld>
             <a:endParaRPr lang="en-US"/>
           </a:p>
@@ -986,7 +986,7 @@
           <a:p>
             <a:fld id="{A5E38784-A5DC-4D1E-89BC-C49E540CA36C}" type="datetimeFigureOut">
               <a:rPr lang="en-US" smtClean="0"/>
-              <a:t>12/13/2019</a:t>
+              <a:t>12/17/2019</a:t>
             </a:fld>
             <a:endParaRPr lang="en-US"/>
           </a:p>
@@ -1329,7 +1329,7 @@
           <a:p>
             <a:fld id="{A5E38784-A5DC-4D1E-89BC-C49E540CA36C}" type="datetimeFigureOut">
               <a:rPr lang="en-US" smtClean="0"/>
-              <a:t>12/13/2019</a:t>
+              <a:t>12/17/2019</a:t>
             </a:fld>
             <a:endParaRPr lang="en-US"/>
           </a:p>
@@ -1604,7 +1604,7 @@
           <a:p>
             <a:fld id="{A5E38784-A5DC-4D1E-89BC-C49E540CA36C}" type="datetimeFigureOut">
               <a:rPr lang="en-US" smtClean="0"/>
-              <a:t>12/13/2019</a:t>
+              <a:t>12/17/2019</a:t>
             </a:fld>
             <a:endParaRPr lang="en-US"/>
           </a:p>
@@ -1983,7 +1983,7 @@
           <a:p>
             <a:fld id="{A5E38784-A5DC-4D1E-89BC-C49E540CA36C}" type="datetimeFigureOut">
               <a:rPr lang="en-US" smtClean="0"/>
-              <a:t>12/13/2019</a:t>
+              <a:t>12/17/2019</a:t>
             </a:fld>
             <a:endParaRPr lang="en-US"/>
           </a:p>
@@ -2101,7 +2101,7 @@
           <a:p>
             <a:fld id="{A5E38784-A5DC-4D1E-89BC-C49E540CA36C}" type="datetimeFigureOut">
               <a:rPr lang="en-US" smtClean="0"/>
-              <a:t>12/13/2019</a:t>
+              <a:t>12/17/2019</a:t>
             </a:fld>
             <a:endParaRPr lang="en-US"/>
           </a:p>
@@ -2272,7 +2272,7 @@
           <a:p>
             <a:fld id="{A5E38784-A5DC-4D1E-89BC-C49E540CA36C}" type="datetimeFigureOut">
               <a:rPr lang="en-US" smtClean="0"/>
-              <a:t>12/13/2019</a:t>
+              <a:t>12/17/2019</a:t>
             </a:fld>
             <a:endParaRPr lang="en-US"/>
           </a:p>
@@ -2626,7 +2626,7 @@
           <a:p>
             <a:fld id="{A5E38784-A5DC-4D1E-89BC-C49E540CA36C}" type="datetimeFigureOut">
               <a:rPr lang="en-US" smtClean="0"/>
-              <a:t>12/13/2019</a:t>
+              <a:t>12/17/2019</a:t>
             </a:fld>
             <a:endParaRPr lang="en-US"/>
           </a:p>
@@ -3003,7 +3003,7 @@
           <a:p>
             <a:fld id="{A5E38784-A5DC-4D1E-89BC-C49E540CA36C}" type="datetimeFigureOut">
               <a:rPr lang="en-US" smtClean="0"/>
-              <a:t>12/13/2019</a:t>
+              <a:t>12/17/2019</a:t>
             </a:fld>
             <a:endParaRPr lang="en-US"/>
           </a:p>
@@ -3290,7 +3290,7 @@
           <a:p>
             <a:fld id="{A5E38784-A5DC-4D1E-89BC-C49E540CA36C}" type="datetimeFigureOut">
               <a:rPr lang="en-US" smtClean="0"/>
-              <a:t>12/13/2019</a:t>
+              <a:t>12/17/2019</a:t>
             </a:fld>
             <a:endParaRPr lang="en-US"/>
           </a:p>
@@ -4758,15 +4758,7 @@
             </a:pPr>
             <a:r>
               <a:rPr lang="en-US" dirty="0"/>
-              <a:t> </a:t>
-            </a:r>
-            <a:r>
-              <a:rPr lang="en-US" dirty="0" err="1"/>
-              <a:t>Parkinsons</a:t>
-            </a:r>
-            <a:r>
-              <a:rPr lang="en-US" dirty="0"/>
-              <a:t>: disorder affecting movement and speech</a:t>
+              <a:t> Parkinson's: disorder affecting movement and speech</a:t>
             </a:r>
           </a:p>
           <a:p>
